--- a/EcoComplex2025.pptx
+++ b/EcoComplex2025.pptx
@@ -3198,7 +3198,7 @@
             </a:pPr>
             <a:r>
               <a:rPr/>
-              <a:t>17 November 2025</a:t>
+              <a:t>17 novembre 2025</a:t>
             </a:r>
           </a:p>
         </p:txBody>

--- a/EcoComplex2025.pptx
+++ b/EcoComplex2025.pptx
@@ -3198,7 +3198,7 @@
             </a:pPr>
             <a:r>
               <a:rPr/>
-              <a:t>17 novembre 2025</a:t>
+              <a:t>27 novembre 2025</a:t>
             </a:r>
           </a:p>
         </p:txBody>
@@ -3272,7 +3272,7 @@
                 </a:pPr>
                 <a:r>
                   <a:rPr/>
-                  <a:t>Hill (1973) : Nombre d’espèces équiprobables ayant l’entropie des données. Nombre effectif (Wright 1931 ; Gregorius 1991).</a:t>
+                  <a:t>Hill (1973) : Nombre d’espèces équiprobables ayant l’entropie des données. Nombre effectif (Wright 1931; Gregorius 1991).</a:t>
                 </a:r>
               </a:p>
               <a:p>
@@ -3679,7 +3679,7 @@
             </a:pPr>
             <a:r>
               <a:rPr/>
-              <a:t>2.3 Diversité aymptotique</a:t>
+              <a:t>2.3 Diversité asymptotique</a:t>
             </a:r>
           </a:p>
         </p:txBody>
